--- a/sample-app/bulletinboard-in-k8s_intro.pptx
+++ b/sample-app/bulletinboard-in-k8s_intro.pptx
@@ -16985,7 +16985,7 @@
           <a:p>
             <a:r>
               <a:rPr lang="en-US" dirty="0"/>
-              <a:t>How does the used architecture looks like?</a:t>
+              <a:t>How does the setup looks like?</a:t>
             </a:r>
           </a:p>
         </p:txBody>
@@ -27036,7 +27036,7 @@
               <a:avLst/>
             </a:prstGeom>
             <a:solidFill>
-              <a:srgbClr val="4CC5FF"/>
+              <a:srgbClr val="C3ECFF"/>
             </a:solidFill>
             <a:ln>
               <a:solidFill>
@@ -27086,7 +27086,7 @@
                   <a:ea typeface="Arial Unicode MS" pitchFamily="34" charset="-128"/>
                   <a:cs typeface="Arial Unicode MS" pitchFamily="34" charset="-128"/>
                 </a:rPr>
-                <a:t>cm</a:t>
+                <a:t>sec</a:t>
               </a:r>
             </a:p>
           </p:txBody>
@@ -27760,6 +27760,299 @@
           </a:prstGeom>
         </p:spPr>
       </p:pic>
+      <p:grpSp>
+        <p:nvGrpSpPr>
+          <p:cNvPr id="100" name="Group 99">
+            <a:extLst>
+              <a:ext uri="{FF2B5EF4-FFF2-40B4-BE49-F238E27FC236}">
+                <a16:creationId xmlns:a16="http://schemas.microsoft.com/office/drawing/2014/main" id="{FCA68C9F-42D9-4BCD-BAD0-5B1F83BF65E9}"/>
+              </a:ext>
+            </a:extLst>
+          </p:cNvPr>
+          <p:cNvGrpSpPr/>
+          <p:nvPr/>
+        </p:nvGrpSpPr>
+        <p:grpSpPr>
+          <a:xfrm>
+            <a:off x="8341611" y="5466728"/>
+            <a:ext cx="643122" cy="358399"/>
+            <a:chOff x="2819071" y="4941991"/>
+            <a:chExt cx="643122" cy="358399"/>
+          </a:xfrm>
+        </p:grpSpPr>
+        <p:cxnSp>
+          <p:nvCxnSpPr>
+            <p:cNvPr id="105" name="Straight Connector 104">
+              <a:extLst>
+                <a:ext uri="{FF2B5EF4-FFF2-40B4-BE49-F238E27FC236}">
+                  <a16:creationId xmlns:a16="http://schemas.microsoft.com/office/drawing/2014/main" id="{DE162277-1902-407C-B374-355246BD2547}"/>
+                </a:ext>
+              </a:extLst>
+            </p:cNvPr>
+            <p:cNvCxnSpPr>
+              <a:cxnSpLocks/>
+            </p:cNvCxnSpPr>
+            <p:nvPr/>
+          </p:nvCxnSpPr>
+          <p:spPr>
+            <a:xfrm>
+              <a:off x="3362585" y="5142991"/>
+              <a:ext cx="99608" cy="0"/>
+            </a:xfrm>
+            <a:prstGeom prst="line">
+              <a:avLst/>
+            </a:prstGeom>
+            <a:ln w="9525">
+              <a:solidFill>
+                <a:schemeClr val="tx1"/>
+              </a:solidFill>
+              <a:headEnd type="none" w="med" len="med"/>
+              <a:tailEnd type="none" w="med" len="med"/>
+            </a:ln>
+          </p:spPr>
+          <p:style>
+            <a:lnRef idx="1">
+              <a:schemeClr val="accent1"/>
+            </a:lnRef>
+            <a:fillRef idx="0">
+              <a:schemeClr val="accent1"/>
+            </a:fillRef>
+            <a:effectRef idx="0">
+              <a:schemeClr val="accent1"/>
+            </a:effectRef>
+            <a:fontRef idx="minor">
+              <a:schemeClr val="tx1"/>
+            </a:fontRef>
+          </p:style>
+        </p:cxnSp>
+        <p:sp>
+          <p:nvSpPr>
+            <p:cNvPr id="107" name="Rounded Rectangle 14">
+              <a:extLst>
+                <a:ext uri="{FF2B5EF4-FFF2-40B4-BE49-F238E27FC236}">
+                  <a16:creationId xmlns:a16="http://schemas.microsoft.com/office/drawing/2014/main" id="{5D40C4BB-6EEA-4CE7-9CC9-C3F4D457D752}"/>
+                </a:ext>
+              </a:extLst>
+            </p:cNvPr>
+            <p:cNvSpPr/>
+            <p:nvPr/>
+          </p:nvSpPr>
+          <p:spPr bwMode="gray">
+            <a:xfrm>
+              <a:off x="2819071" y="5005920"/>
+              <a:ext cx="548827" cy="294470"/>
+            </a:xfrm>
+            <a:prstGeom prst="roundRect">
+              <a:avLst/>
+            </a:prstGeom>
+            <a:solidFill>
+              <a:schemeClr val="accent3">
+                <a:lumMod val="20000"/>
+                <a:lumOff val="80000"/>
+              </a:schemeClr>
+            </a:solidFill>
+            <a:ln>
+              <a:solidFill>
+                <a:schemeClr val="tx1"/>
+              </a:solidFill>
+              <a:headEnd/>
+              <a:tailEnd/>
+            </a:ln>
+            <a:effectLst/>
+          </p:spPr>
+          <p:style>
+            <a:lnRef idx="1">
+              <a:schemeClr val="accent1"/>
+            </a:lnRef>
+            <a:fillRef idx="3">
+              <a:schemeClr val="accent1"/>
+            </a:fillRef>
+            <a:effectRef idx="2">
+              <a:schemeClr val="accent1"/>
+            </a:effectRef>
+            <a:fontRef idx="minor">
+              <a:schemeClr val="lt1"/>
+            </a:fontRef>
+          </p:style>
+          <p:txBody>
+            <a:bodyPr lIns="107138" tIns="85710" rIns="107138" bIns="85710" rtlCol="0" anchor="t" anchorCtr="0"/>
+            <a:lstStyle>
+              <a:defPPr>
+                <a:defRPr lang="de-DE"/>
+              </a:defPPr>
+              <a:lvl1pPr marL="0" algn="l" defTabSz="1088776" rtl="0" eaLnBrk="1" latinLnBrk="0" hangingPunct="1">
+                <a:defRPr lang="de-DE" sz="2100" kern="1200">
+                  <a:solidFill>
+                    <a:schemeClr val="lt1"/>
+                  </a:solidFill>
+                  <a:latin typeface="+mn-lt"/>
+                  <a:ea typeface="+mn-ea"/>
+                  <a:cs typeface="+mn-cs"/>
+                </a:defRPr>
+              </a:lvl1pPr>
+              <a:lvl2pPr marL="544388" algn="l" defTabSz="1088776" rtl="0" eaLnBrk="1" latinLnBrk="0" hangingPunct="1">
+                <a:buClr>
+                  <a:srgbClr val="FDB913"/>
+                </a:buClr>
+                <a:buSzPct val="100000"/>
+                <a:buFont typeface="wingdings"/>
+                <a:buChar char=""/>
+                <a:defRPr lang="de-DE" sz="2100" kern="1200">
+                  <a:solidFill>
+                    <a:schemeClr val="lt1"/>
+                  </a:solidFill>
+                  <a:latin typeface="+mn-lt"/>
+                  <a:ea typeface="+mn-ea"/>
+                  <a:cs typeface="+mn-cs"/>
+                </a:defRPr>
+              </a:lvl2pPr>
+              <a:lvl3pPr marL="1088776" algn="l" defTabSz="1088776" rtl="0" eaLnBrk="1" latinLnBrk="0" hangingPunct="1">
+                <a:buClr>
+                  <a:srgbClr val="666666"/>
+                </a:buClr>
+                <a:buSzPct val="80000"/>
+                <a:buFont typeface="Wingdings"/>
+                <a:buChar char="n"/>
+                <a:defRPr lang="de-DE" sz="1700" kern="1200">
+                  <a:solidFill>
+                    <a:schemeClr val="lt1"/>
+                  </a:solidFill>
+                  <a:latin typeface="+mn-lt"/>
+                  <a:ea typeface="+mn-ea"/>
+                  <a:cs typeface="+mn-cs"/>
+                </a:defRPr>
+              </a:lvl3pPr>
+              <a:lvl4pPr marL="1633164" algn="l" defTabSz="1088776" rtl="0" eaLnBrk="1" latinLnBrk="0" hangingPunct="1">
+                <a:buClr>
+                  <a:srgbClr val="666666"/>
+                </a:buClr>
+                <a:buSzPct val="80000"/>
+                <a:buFont typeface="Arial"/>
+                <a:buChar char=""/>
+                <a:defRPr lang="de-DE" sz="1400" kern="1200">
+                  <a:solidFill>
+                    <a:schemeClr val="lt1"/>
+                  </a:solidFill>
+                  <a:latin typeface="+mn-lt"/>
+                  <a:ea typeface="+mn-ea"/>
+                  <a:cs typeface="+mn-cs"/>
+                </a:defRPr>
+              </a:lvl4pPr>
+              <a:lvl5pPr marL="2177552" algn="l" defTabSz="1088776" rtl="0" eaLnBrk="1" latinLnBrk="0" hangingPunct="1">
+                <a:buClr>
+                  <a:srgbClr val="666666"/>
+                </a:buClr>
+                <a:buSzPct val="80000"/>
+                <a:buFont typeface="Arial"/>
+                <a:buChar char=""/>
+                <a:defRPr lang="de-DE" sz="1200" kern="1200">
+                  <a:solidFill>
+                    <a:schemeClr val="lt1"/>
+                  </a:solidFill>
+                  <a:latin typeface="+mn-lt"/>
+                  <a:ea typeface="+mn-ea"/>
+                  <a:cs typeface="+mn-cs"/>
+                </a:defRPr>
+              </a:lvl5pPr>
+              <a:lvl6pPr marL="2721940" algn="l" defTabSz="1088776" rtl="0" eaLnBrk="1" latinLnBrk="0" hangingPunct="1">
+                <a:defRPr sz="2100" kern="1200">
+                  <a:solidFill>
+                    <a:schemeClr val="lt1"/>
+                  </a:solidFill>
+                  <a:latin typeface="+mn-lt"/>
+                  <a:ea typeface="+mn-ea"/>
+                  <a:cs typeface="+mn-cs"/>
+                </a:defRPr>
+              </a:lvl6pPr>
+              <a:lvl7pPr marL="3266328" algn="l" defTabSz="1088776" rtl="0" eaLnBrk="1" latinLnBrk="0" hangingPunct="1">
+                <a:defRPr sz="2100" kern="1200">
+                  <a:solidFill>
+                    <a:schemeClr val="lt1"/>
+                  </a:solidFill>
+                  <a:latin typeface="+mn-lt"/>
+                  <a:ea typeface="+mn-ea"/>
+                  <a:cs typeface="+mn-cs"/>
+                </a:defRPr>
+              </a:lvl7pPr>
+              <a:lvl8pPr marL="3810716" algn="l" defTabSz="1088776" rtl="0" eaLnBrk="1" latinLnBrk="0" hangingPunct="1">
+                <a:defRPr sz="2100" kern="1200">
+                  <a:solidFill>
+                    <a:schemeClr val="lt1"/>
+                  </a:solidFill>
+                  <a:latin typeface="+mn-lt"/>
+                  <a:ea typeface="+mn-ea"/>
+                  <a:cs typeface="+mn-cs"/>
+                </a:defRPr>
+              </a:lvl8pPr>
+              <a:lvl9pPr marL="4355104" algn="l" defTabSz="1088776" rtl="0" eaLnBrk="1" latinLnBrk="0" hangingPunct="1">
+                <a:defRPr sz="2100" kern="1200">
+                  <a:solidFill>
+                    <a:schemeClr val="lt1"/>
+                  </a:solidFill>
+                  <a:latin typeface="+mn-lt"/>
+                  <a:ea typeface="+mn-ea"/>
+                  <a:cs typeface="+mn-cs"/>
+                </a:defRPr>
+              </a:lvl9pPr>
+            </a:lstStyle>
+            <a:p>
+              <a:pPr algn="ctr" defTabSz="1088558" fontAlgn="base">
+                <a:spcBef>
+                  <a:spcPct val="50000"/>
+                </a:spcBef>
+                <a:spcAft>
+                  <a:spcPct val="0"/>
+                </a:spcAft>
+                <a:buClr>
+                  <a:srgbClr val="F0AB00"/>
+                </a:buClr>
+                <a:buSzPct val="80000"/>
+              </a:pPr>
+              <a:r>
+                <a:rPr lang="en-US" sz="1000" kern="0" dirty="0">
+                  <a:solidFill>
+                    <a:srgbClr val="000000"/>
+                  </a:solidFill>
+                  <a:latin typeface="Arial"/>
+                  <a:ea typeface="Arial Unicode MS" pitchFamily="34" charset="-128"/>
+                  <a:cs typeface="Arial Unicode MS" pitchFamily="34" charset="-128"/>
+                </a:rPr>
+                <a:t>sec</a:t>
+              </a:r>
+            </a:p>
+          </p:txBody>
+        </p:sp>
+        <p:pic>
+          <p:nvPicPr>
+            <p:cNvPr id="113" name="Picture 112">
+              <a:extLst>
+                <a:ext uri="{FF2B5EF4-FFF2-40B4-BE49-F238E27FC236}">
+                  <a16:creationId xmlns:a16="http://schemas.microsoft.com/office/drawing/2014/main" id="{783EBB8D-46C7-4448-A296-D3842BA528AF}"/>
+                </a:ext>
+              </a:extLst>
+            </p:cNvPr>
+            <p:cNvPicPr>
+              <a:picLocks noChangeAspect="1"/>
+            </p:cNvPicPr>
+            <p:nvPr/>
+          </p:nvPicPr>
+          <p:blipFill>
+            <a:blip r:embed="rId4"/>
+            <a:stretch>
+              <a:fillRect/>
+            </a:stretch>
+          </p:blipFill>
+          <p:spPr>
+            <a:xfrm>
+              <a:off x="3290175" y="4941991"/>
+              <a:ext cx="150305" cy="146304"/>
+            </a:xfrm>
+            <a:prstGeom prst="rect">
+              <a:avLst/>
+            </a:prstGeom>
+          </p:spPr>
+        </p:pic>
+      </p:grpSp>
     </p:spTree>
     <p:extLst>
       <p:ext uri="{BB962C8B-B14F-4D97-AF65-F5344CB8AC3E}">
@@ -32733,14 +33026,13 @@
         </p:nvPicPr>
         <p:blipFill>
           <a:blip r:embed="rId2"/>
-          <a:stretch>
-            <a:fillRect/>
-          </a:stretch>
+          <a:srcRect/>
+          <a:stretch/>
         </p:blipFill>
         <p:spPr>
           <a:xfrm>
-            <a:off x="137855" y="1412658"/>
-            <a:ext cx="5959384" cy="4032684"/>
+            <a:off x="137855" y="1445558"/>
+            <a:ext cx="5959384" cy="3870047"/>
           </a:xfrm>
           <a:prstGeom prst="rect">
             <a:avLst/>
@@ -33153,7 +33445,7 @@
         </p:nvCxnSpPr>
         <p:spPr>
           <a:xfrm>
-            <a:off x="137855" y="3429000"/>
+            <a:off x="137855" y="3380582"/>
             <a:ext cx="5959384" cy="0"/>
           </a:xfrm>
           <a:prstGeom prst="line">
@@ -33200,8 +33492,8 @@
         </p:nvCxnSpPr>
         <p:spPr>
           <a:xfrm>
-            <a:off x="3117547" y="1412658"/>
-            <a:ext cx="0" cy="4032684"/>
+            <a:off x="3117547" y="1445558"/>
+            <a:ext cx="0" cy="3870047"/>
           </a:xfrm>
           <a:prstGeom prst="line">
             <a:avLst/>

--- a/sample-app/bulletinboard-in-k8s_intro.pptx
+++ b/sample-app/bulletinboard-in-k8s_intro.pptx
@@ -29853,33 +29853,15 @@
                                   </p:childTnLst>
                                 </p:cTn>
                               </p:par>
-                            </p:childTnLst>
-                          </p:cTn>
-                        </p:par>
-                      </p:childTnLst>
-                    </p:cTn>
-                  </p:par>
-                  <p:par>
-                    <p:cTn id="103" fill="hold">
-                      <p:stCondLst>
-                        <p:cond delay="indefinite"/>
-                      </p:stCondLst>
-                      <p:childTnLst>
-                        <p:par>
-                          <p:cTn id="104" fill="hold">
-                            <p:stCondLst>
-                              <p:cond delay="0"/>
-                            </p:stCondLst>
-                            <p:childTnLst>
                               <p:par>
-                                <p:cTn id="105" presetID="2" presetClass="entr" presetSubtype="4" fill="hold" nodeType="clickEffect">
+                                <p:cTn id="103" presetID="2" presetClass="entr" presetSubtype="4" fill="hold" nodeType="withEffect">
                                   <p:stCondLst>
                                     <p:cond delay="0"/>
                                   </p:stCondLst>
                                   <p:childTnLst>
                                     <p:set>
                                       <p:cBhvr>
-                                        <p:cTn id="106" dur="1" fill="hold">
+                                        <p:cTn id="104" dur="1" fill="hold">
                                           <p:stCondLst>
                                             <p:cond delay="0"/>
                                           </p:stCondLst>
@@ -29897,7 +29879,7 @@
                                     </p:set>
                                     <p:anim calcmode="lin" valueType="num">
                                       <p:cBhvr additive="base">
-                                        <p:cTn id="107" dur="500" fill="hold"/>
+                                        <p:cTn id="105" dur="500" fill="hold"/>
                                         <p:tgtEl>
                                           <p:spTgt spid="77"/>
                                         </p:tgtEl>
@@ -29920,7 +29902,7 @@
                                     </p:anim>
                                     <p:anim calcmode="lin" valueType="num">
                                       <p:cBhvr additive="base">
-                                        <p:cTn id="108" dur="500" fill="hold"/>
+                                        <p:cTn id="106" dur="500" fill="hold"/>
                                         <p:tgtEl>
                                           <p:spTgt spid="77"/>
                                         </p:tgtEl>
@@ -29945,14 +29927,14 @@
                                 </p:cTn>
                               </p:par>
                               <p:par>
-                                <p:cTn id="109" presetID="2" presetClass="entr" presetSubtype="4" fill="hold" grpId="0" nodeType="withEffect">
+                                <p:cTn id="107" presetID="2" presetClass="entr" presetSubtype="4" fill="hold" grpId="0" nodeType="withEffect">
                                   <p:stCondLst>
                                     <p:cond delay="0"/>
                                   </p:stCondLst>
                                   <p:childTnLst>
                                     <p:set>
                                       <p:cBhvr>
-                                        <p:cTn id="110" dur="1" fill="hold">
+                                        <p:cTn id="108" dur="1" fill="hold">
                                           <p:stCondLst>
                                             <p:cond delay="0"/>
                                           </p:stCondLst>
@@ -29970,7 +29952,7 @@
                                     </p:set>
                                     <p:anim calcmode="lin" valueType="num">
                                       <p:cBhvr additive="base">
-                                        <p:cTn id="111" dur="500" fill="hold"/>
+                                        <p:cTn id="109" dur="500" fill="hold"/>
                                         <p:tgtEl>
                                           <p:spTgt spid="14"/>
                                         </p:tgtEl>
@@ -29993,7 +29975,7 @@
                                     </p:anim>
                                     <p:anim calcmode="lin" valueType="num">
                                       <p:cBhvr additive="base">
-                                        <p:cTn id="112" dur="500" fill="hold"/>
+                                        <p:cTn id="110" dur="500" fill="hold"/>
                                         <p:tgtEl>
                                           <p:spTgt spid="14"/>
                                         </p:tgtEl>
@@ -30018,14 +30000,14 @@
                                 </p:cTn>
                               </p:par>
                               <p:par>
-                                <p:cTn id="113" presetID="2" presetClass="entr" presetSubtype="4" fill="hold" grpId="0" nodeType="withEffect">
+                                <p:cTn id="111" presetID="2" presetClass="entr" presetSubtype="4" fill="hold" grpId="0" nodeType="withEffect">
                                   <p:stCondLst>
                                     <p:cond delay="0"/>
                                   </p:stCondLst>
                                   <p:childTnLst>
                                     <p:set>
                                       <p:cBhvr>
-                                        <p:cTn id="114" dur="1" fill="hold">
+                                        <p:cTn id="112" dur="1" fill="hold">
                                           <p:stCondLst>
                                             <p:cond delay="0"/>
                                           </p:stCondLst>
@@ -30043,7 +30025,7 @@
                                     </p:set>
                                     <p:anim calcmode="lin" valueType="num">
                                       <p:cBhvr additive="base">
-                                        <p:cTn id="115" dur="500" fill="hold"/>
+                                        <p:cTn id="113" dur="500" fill="hold"/>
                                         <p:tgtEl>
                                           <p:spTgt spid="97"/>
                                         </p:tgtEl>
@@ -30066,7 +30048,7 @@
                                     </p:anim>
                                     <p:anim calcmode="lin" valueType="num">
                                       <p:cBhvr additive="base">
-                                        <p:cTn id="116" dur="500" fill="hold"/>
+                                        <p:cTn id="114" dur="500" fill="hold"/>
                                         <p:tgtEl>
                                           <p:spTgt spid="97"/>
                                         </p:tgtEl>
@@ -30091,14 +30073,14 @@
                                 </p:cTn>
                               </p:par>
                               <p:par>
-                                <p:cTn id="117" presetID="2" presetClass="entr" presetSubtype="4" fill="hold" grpId="0" nodeType="withEffect">
+                                <p:cTn id="115" presetID="2" presetClass="entr" presetSubtype="4" fill="hold" grpId="0" nodeType="withEffect">
                                   <p:stCondLst>
                                     <p:cond delay="0"/>
                                   </p:stCondLst>
                                   <p:childTnLst>
                                     <p:set>
                                       <p:cBhvr>
-                                        <p:cTn id="118" dur="1" fill="hold">
+                                        <p:cTn id="116" dur="1" fill="hold">
                                           <p:stCondLst>
                                             <p:cond delay="0"/>
                                           </p:stCondLst>
@@ -30116,7 +30098,7 @@
                                     </p:set>
                                     <p:anim calcmode="lin" valueType="num">
                                       <p:cBhvr additive="base">
-                                        <p:cTn id="119" dur="500" fill="hold"/>
+                                        <p:cTn id="117" dur="500" fill="hold"/>
                                         <p:tgtEl>
                                           <p:spTgt spid="104"/>
                                         </p:tgtEl>
@@ -30139,7 +30121,7 @@
                                     </p:anim>
                                     <p:anim calcmode="lin" valueType="num">
                                       <p:cBhvr additive="base">
-                                        <p:cTn id="120" dur="500" fill="hold"/>
+                                        <p:cTn id="118" dur="500" fill="hold"/>
                                         <p:tgtEl>
                                           <p:spTgt spid="104"/>
                                         </p:tgtEl>
@@ -30164,14 +30146,14 @@
                                 </p:cTn>
                               </p:par>
                               <p:par>
-                                <p:cTn id="121" presetID="2" presetClass="entr" presetSubtype="4" fill="hold" grpId="0" nodeType="withEffect">
+                                <p:cTn id="119" presetID="2" presetClass="entr" presetSubtype="4" fill="hold" grpId="0" nodeType="withEffect">
                                   <p:stCondLst>
                                     <p:cond delay="0"/>
                                   </p:stCondLst>
                                   <p:childTnLst>
                                     <p:set>
                                       <p:cBhvr>
-                                        <p:cTn id="122" dur="1" fill="hold">
+                                        <p:cTn id="120" dur="1" fill="hold">
                                           <p:stCondLst>
                                             <p:cond delay="0"/>
                                           </p:stCondLst>
@@ -30189,7 +30171,7 @@
                                     </p:set>
                                     <p:anim calcmode="lin" valueType="num">
                                       <p:cBhvr additive="base">
-                                        <p:cTn id="123" dur="500" fill="hold"/>
+                                        <p:cTn id="121" dur="500" fill="hold"/>
                                         <p:tgtEl>
                                           <p:spTgt spid="36"/>
                                         </p:tgtEl>
@@ -30212,7 +30194,7 @@
                                     </p:anim>
                                     <p:anim calcmode="lin" valueType="num">
                                       <p:cBhvr additive="base">
-                                        <p:cTn id="124" dur="500" fill="hold"/>
+                                        <p:cTn id="122" dur="500" fill="hold"/>
                                         <p:tgtEl>
                                           <p:spTgt spid="36"/>
                                         </p:tgtEl>
@@ -30237,14 +30219,14 @@
                                 </p:cTn>
                               </p:par>
                               <p:par>
-                                <p:cTn id="125" presetID="2" presetClass="entr" presetSubtype="4" fill="hold" nodeType="withEffect">
+                                <p:cTn id="123" presetID="2" presetClass="entr" presetSubtype="4" fill="hold" nodeType="withEffect">
                                   <p:stCondLst>
                                     <p:cond delay="0"/>
                                   </p:stCondLst>
                                   <p:childTnLst>
                                     <p:set>
                                       <p:cBhvr>
-                                        <p:cTn id="126" dur="1" fill="hold">
+                                        <p:cTn id="124" dur="1" fill="hold">
                                           <p:stCondLst>
                                             <p:cond delay="0"/>
                                           </p:stCondLst>
@@ -30262,7 +30244,7 @@
                                     </p:set>
                                     <p:anim calcmode="lin" valueType="num">
                                       <p:cBhvr additive="base">
-                                        <p:cTn id="127" dur="500" fill="hold"/>
+                                        <p:cTn id="125" dur="500" fill="hold"/>
                                         <p:tgtEl>
                                           <p:spTgt spid="78"/>
                                         </p:tgtEl>
@@ -30285,7 +30267,7 @@
                                     </p:anim>
                                     <p:anim calcmode="lin" valueType="num">
                                       <p:cBhvr additive="base">
-                                        <p:cTn id="128" dur="500" fill="hold"/>
+                                        <p:cTn id="126" dur="500" fill="hold"/>
                                         <p:tgtEl>
                                           <p:spTgt spid="78"/>
                                         </p:tgtEl>
@@ -30310,14 +30292,14 @@
                                 </p:cTn>
                               </p:par>
                               <p:par>
-                                <p:cTn id="129" presetID="2" presetClass="entr" presetSubtype="4" fill="hold" grpId="0" nodeType="withEffect">
+                                <p:cTn id="127" presetID="2" presetClass="entr" presetSubtype="4" fill="hold" grpId="0" nodeType="withEffect">
                                   <p:stCondLst>
                                     <p:cond delay="0"/>
                                   </p:stCondLst>
                                   <p:childTnLst>
                                     <p:set>
                                       <p:cBhvr>
-                                        <p:cTn id="130" dur="1" fill="hold">
+                                        <p:cTn id="128" dur="1" fill="hold">
                                           <p:stCondLst>
                                             <p:cond delay="0"/>
                                           </p:stCondLst>
@@ -30335,7 +30317,7 @@
                                     </p:set>
                                     <p:anim calcmode="lin" valueType="num">
                                       <p:cBhvr additive="base">
-                                        <p:cTn id="131" dur="500" fill="hold"/>
+                                        <p:cTn id="129" dur="500" fill="hold"/>
                                         <p:tgtEl>
                                           <p:spTgt spid="20"/>
                                         </p:tgtEl>
@@ -30358,7 +30340,7 @@
                                     </p:anim>
                                     <p:anim calcmode="lin" valueType="num">
                                       <p:cBhvr additive="base">
-                                        <p:cTn id="132" dur="500" fill="hold"/>
+                                        <p:cTn id="130" dur="500" fill="hold"/>
                                         <p:tgtEl>
                                           <p:spTgt spid="20"/>
                                         </p:tgtEl>
@@ -30383,14 +30365,14 @@
                                 </p:cTn>
                               </p:par>
                               <p:par>
-                                <p:cTn id="133" presetID="2" presetClass="entr" presetSubtype="4" fill="hold" grpId="0" nodeType="withEffect">
+                                <p:cTn id="131" presetID="2" presetClass="entr" presetSubtype="4" fill="hold" grpId="0" nodeType="withEffect">
                                   <p:stCondLst>
                                     <p:cond delay="0"/>
                                   </p:stCondLst>
                                   <p:childTnLst>
                                     <p:set>
                                       <p:cBhvr>
-                                        <p:cTn id="134" dur="1" fill="hold">
+                                        <p:cTn id="132" dur="1" fill="hold">
                                           <p:stCondLst>
                                             <p:cond delay="0"/>
                                           </p:stCondLst>
@@ -30408,7 +30390,7 @@
                                     </p:set>
                                     <p:anim calcmode="lin" valueType="num">
                                       <p:cBhvr additive="base">
-                                        <p:cTn id="135" dur="500" fill="hold"/>
+                                        <p:cTn id="133" dur="500" fill="hold"/>
                                         <p:tgtEl>
                                           <p:spTgt spid="111"/>
                                         </p:tgtEl>
@@ -30431,7 +30413,7 @@
                                     </p:anim>
                                     <p:anim calcmode="lin" valueType="num">
                                       <p:cBhvr additive="base">
-                                        <p:cTn id="136" dur="500" fill="hold"/>
+                                        <p:cTn id="134" dur="500" fill="hold"/>
                                         <p:tgtEl>
                                           <p:spTgt spid="111"/>
                                         </p:tgtEl>
@@ -30456,14 +30438,14 @@
                                 </p:cTn>
                               </p:par>
                               <p:par>
-                                <p:cTn id="137" presetID="2" presetClass="entr" presetSubtype="4" fill="hold" grpId="0" nodeType="withEffect">
+                                <p:cTn id="135" presetID="2" presetClass="entr" presetSubtype="4" fill="hold" grpId="0" nodeType="withEffect">
                                   <p:stCondLst>
                                     <p:cond delay="0"/>
                                   </p:stCondLst>
                                   <p:childTnLst>
                                     <p:set>
                                       <p:cBhvr>
-                                        <p:cTn id="138" dur="1" fill="hold">
+                                        <p:cTn id="136" dur="1" fill="hold">
                                           <p:stCondLst>
                                             <p:cond delay="0"/>
                                           </p:stCondLst>
@@ -30481,7 +30463,7 @@
                                     </p:set>
                                     <p:anim calcmode="lin" valueType="num">
                                       <p:cBhvr additive="base">
-                                        <p:cTn id="139" dur="500" fill="hold"/>
+                                        <p:cTn id="137" dur="500" fill="hold"/>
                                         <p:tgtEl>
                                           <p:spTgt spid="112"/>
                                         </p:tgtEl>
@@ -30504,7 +30486,7 @@
                                     </p:anim>
                                     <p:anim calcmode="lin" valueType="num">
                                       <p:cBhvr additive="base">
-                                        <p:cTn id="140" dur="500" fill="hold"/>
+                                        <p:cTn id="138" dur="500" fill="hold"/>
                                         <p:tgtEl>
                                           <p:spTgt spid="112"/>
                                         </p:tgtEl>
@@ -30529,14 +30511,14 @@
                                 </p:cTn>
                               </p:par>
                               <p:par>
-                                <p:cTn id="141" presetID="2" presetClass="entr" presetSubtype="4" fill="hold" grpId="0" nodeType="withEffect">
+                                <p:cTn id="139" presetID="2" presetClass="entr" presetSubtype="4" fill="hold" grpId="0" nodeType="withEffect">
                                   <p:stCondLst>
                                     <p:cond delay="0"/>
                                   </p:stCondLst>
                                   <p:childTnLst>
                                     <p:set>
                                       <p:cBhvr>
-                                        <p:cTn id="142" dur="1" fill="hold">
+                                        <p:cTn id="140" dur="1" fill="hold">
                                           <p:stCondLst>
                                             <p:cond delay="0"/>
                                           </p:stCondLst>
@@ -30554,7 +30536,7 @@
                                     </p:set>
                                     <p:anim calcmode="lin" valueType="num">
                                       <p:cBhvr additive="base">
-                                        <p:cTn id="143" dur="500" fill="hold"/>
+                                        <p:cTn id="141" dur="500" fill="hold"/>
                                         <p:tgtEl>
                                           <p:spTgt spid="37"/>
                                         </p:tgtEl>
@@ -30577,7 +30559,7 @@
                                     </p:anim>
                                     <p:anim calcmode="lin" valueType="num">
                                       <p:cBhvr additive="base">
-                                        <p:cTn id="144" dur="500" fill="hold"/>
+                                        <p:cTn id="142" dur="500" fill="hold"/>
                                         <p:tgtEl>
                                           <p:spTgt spid="37"/>
                                         </p:tgtEl>
@@ -30602,14 +30584,14 @@
                                 </p:cTn>
                               </p:par>
                               <p:par>
-                                <p:cTn id="145" presetID="2" presetClass="entr" presetSubtype="4" fill="hold" nodeType="withEffect">
+                                <p:cTn id="143" presetID="2" presetClass="entr" presetSubtype="4" fill="hold" nodeType="withEffect">
                                   <p:stCondLst>
                                     <p:cond delay="0"/>
                                   </p:stCondLst>
                                   <p:childTnLst>
                                     <p:set>
                                       <p:cBhvr>
-                                        <p:cTn id="146" dur="1" fill="hold">
+                                        <p:cTn id="144" dur="1" fill="hold">
                                           <p:stCondLst>
                                             <p:cond delay="0"/>
                                           </p:stCondLst>
@@ -30627,7 +30609,7 @@
                                     </p:set>
                                     <p:anim calcmode="lin" valueType="num">
                                       <p:cBhvr additive="base">
-                                        <p:cTn id="147" dur="500" fill="hold"/>
+                                        <p:cTn id="145" dur="500" fill="hold"/>
                                         <p:tgtEl>
                                           <p:spTgt spid="144"/>
                                         </p:tgtEl>
@@ -30650,7 +30632,7 @@
                                     </p:anim>
                                     <p:anim calcmode="lin" valueType="num">
                                       <p:cBhvr additive="base">
-                                        <p:cTn id="148" dur="500" fill="hold"/>
+                                        <p:cTn id="146" dur="500" fill="hold"/>
                                         <p:tgtEl>
                                           <p:spTgt spid="144"/>
                                         </p:tgtEl>
@@ -30675,14 +30657,14 @@
                                 </p:cTn>
                               </p:par>
                               <p:par>
-                                <p:cTn id="149" presetID="2" presetClass="entr" presetSubtype="4" fill="hold" nodeType="withEffect">
+                                <p:cTn id="147" presetID="2" presetClass="entr" presetSubtype="4" fill="hold" nodeType="withEffect">
                                   <p:stCondLst>
                                     <p:cond delay="0"/>
                                   </p:stCondLst>
                                   <p:childTnLst>
                                     <p:set>
                                       <p:cBhvr>
-                                        <p:cTn id="150" dur="1" fill="hold">
+                                        <p:cTn id="148" dur="1" fill="hold">
                                           <p:stCondLst>
                                             <p:cond delay="0"/>
                                           </p:stCondLst>
@@ -30700,7 +30682,7 @@
                                     </p:set>
                                     <p:anim calcmode="lin" valueType="num">
                                       <p:cBhvr additive="base">
-                                        <p:cTn id="151" dur="500" fill="hold"/>
+                                        <p:cTn id="149" dur="500" fill="hold"/>
                                         <p:tgtEl>
                                           <p:spTgt spid="145"/>
                                         </p:tgtEl>
@@ -30723,7 +30705,7 @@
                                     </p:anim>
                                     <p:anim calcmode="lin" valueType="num">
                                       <p:cBhvr additive="base">
-                                        <p:cTn id="152" dur="500" fill="hold"/>
+                                        <p:cTn id="150" dur="500" fill="hold"/>
                                         <p:tgtEl>
                                           <p:spTgt spid="145"/>
                                         </p:tgtEl>
@@ -30754,26 +30736,26 @@
                     </p:cTn>
                   </p:par>
                   <p:par>
-                    <p:cTn id="153" fill="hold">
+                    <p:cTn id="151" fill="hold">
                       <p:stCondLst>
                         <p:cond delay="indefinite"/>
                       </p:stCondLst>
                       <p:childTnLst>
                         <p:par>
-                          <p:cTn id="154" fill="hold">
+                          <p:cTn id="152" fill="hold">
                             <p:stCondLst>
                               <p:cond delay="0"/>
                             </p:stCondLst>
                             <p:childTnLst>
                               <p:par>
-                                <p:cTn id="155" presetID="2" presetClass="entr" presetSubtype="4" fill="hold" nodeType="clickEffect">
+                                <p:cTn id="153" presetID="2" presetClass="entr" presetSubtype="4" fill="hold" nodeType="clickEffect">
                                   <p:stCondLst>
                                     <p:cond delay="0"/>
                                   </p:stCondLst>
                                   <p:childTnLst>
                                     <p:set>
                                       <p:cBhvr>
-                                        <p:cTn id="156" dur="1" fill="hold">
+                                        <p:cTn id="154" dur="1" fill="hold">
                                           <p:stCondLst>
                                             <p:cond delay="0"/>
                                           </p:stCondLst>
@@ -30791,7 +30773,7 @@
                                     </p:set>
                                     <p:anim calcmode="lin" valueType="num">
                                       <p:cBhvr additive="base">
-                                        <p:cTn id="157" dur="500" fill="hold"/>
+                                        <p:cTn id="155" dur="500" fill="hold"/>
                                         <p:tgtEl>
                                           <p:spTgt spid="108"/>
                                         </p:tgtEl>
@@ -30814,7 +30796,7 @@
                                     </p:anim>
                                     <p:anim calcmode="lin" valueType="num">
                                       <p:cBhvr additive="base">
-                                        <p:cTn id="158" dur="500" fill="hold"/>
+                                        <p:cTn id="156" dur="500" fill="hold"/>
                                         <p:tgtEl>
                                           <p:spTgt spid="108"/>
                                         </p:tgtEl>
@@ -30839,14 +30821,14 @@
                                 </p:cTn>
                               </p:par>
                               <p:par>
-                                <p:cTn id="159" presetID="2" presetClass="entr" presetSubtype="4" fill="hold" nodeType="withEffect">
+                                <p:cTn id="157" presetID="2" presetClass="entr" presetSubtype="4" fill="hold" nodeType="withEffect">
                                   <p:stCondLst>
                                     <p:cond delay="0"/>
                                   </p:stCondLst>
                                   <p:childTnLst>
                                     <p:set>
                                       <p:cBhvr>
-                                        <p:cTn id="160" dur="1" fill="hold">
+                                        <p:cTn id="158" dur="1" fill="hold">
                                           <p:stCondLst>
                                             <p:cond delay="0"/>
                                           </p:stCondLst>
@@ -30864,7 +30846,7 @@
                                     </p:set>
                                     <p:anim calcmode="lin" valueType="num">
                                       <p:cBhvr additive="base">
-                                        <p:cTn id="161" dur="500" fill="hold"/>
+                                        <p:cTn id="159" dur="500" fill="hold"/>
                                         <p:tgtEl>
                                           <p:spTgt spid="128"/>
                                         </p:tgtEl>
@@ -30887,7 +30869,7 @@
                                     </p:anim>
                                     <p:anim calcmode="lin" valueType="num">
                                       <p:cBhvr additive="base">
-                                        <p:cTn id="162" dur="500" fill="hold"/>
+                                        <p:cTn id="160" dur="500" fill="hold"/>
                                         <p:tgtEl>
                                           <p:spTgt spid="128"/>
                                         </p:tgtEl>
@@ -30912,14 +30894,14 @@
                                 </p:cTn>
                               </p:par>
                               <p:par>
-                                <p:cTn id="163" presetID="2" presetClass="entr" presetSubtype="4" fill="hold" nodeType="withEffect">
+                                <p:cTn id="161" presetID="2" presetClass="entr" presetSubtype="4" fill="hold" nodeType="withEffect">
                                   <p:stCondLst>
                                     <p:cond delay="0"/>
                                   </p:stCondLst>
                                   <p:childTnLst>
                                     <p:set>
                                       <p:cBhvr>
-                                        <p:cTn id="164" dur="1" fill="hold">
+                                        <p:cTn id="162" dur="1" fill="hold">
                                           <p:stCondLst>
                                             <p:cond delay="0"/>
                                           </p:stCondLst>
@@ -30937,7 +30919,7 @@
                                     </p:set>
                                     <p:anim calcmode="lin" valueType="num">
                                       <p:cBhvr additive="base">
-                                        <p:cTn id="165" dur="500" fill="hold"/>
+                                        <p:cTn id="163" dur="500" fill="hold"/>
                                         <p:tgtEl>
                                           <p:spTgt spid="120"/>
                                         </p:tgtEl>
@@ -30960,7 +30942,7 @@
                                     </p:anim>
                                     <p:anim calcmode="lin" valueType="num">
                                       <p:cBhvr additive="base">
-                                        <p:cTn id="166" dur="500" fill="hold"/>
+                                        <p:cTn id="164" dur="500" fill="hold"/>
                                         <p:tgtEl>
                                           <p:spTgt spid="120"/>
                                         </p:tgtEl>
@@ -30985,14 +30967,14 @@
                                 </p:cTn>
                               </p:par>
                               <p:par>
-                                <p:cTn id="167" presetID="2" presetClass="entr" presetSubtype="4" fill="hold" nodeType="withEffect">
+                                <p:cTn id="165" presetID="2" presetClass="entr" presetSubtype="4" fill="hold" nodeType="withEffect">
                                   <p:stCondLst>
                                     <p:cond delay="0"/>
                                   </p:stCondLst>
                                   <p:childTnLst>
                                     <p:set>
                                       <p:cBhvr>
-                                        <p:cTn id="168" dur="1" fill="hold">
+                                        <p:cTn id="166" dur="1" fill="hold">
                                           <p:stCondLst>
                                             <p:cond delay="0"/>
                                           </p:stCondLst>
@@ -31010,7 +30992,7 @@
                                     </p:set>
                                     <p:anim calcmode="lin" valueType="num">
                                       <p:cBhvr additive="base">
-                                        <p:cTn id="169" dur="500" fill="hold"/>
+                                        <p:cTn id="167" dur="500" fill="hold"/>
                                         <p:tgtEl>
                                           <p:spTgt spid="40"/>
                                         </p:tgtEl>
@@ -31033,7 +31015,7 @@
                                     </p:anim>
                                     <p:anim calcmode="lin" valueType="num">
                                       <p:cBhvr additive="base">
-                                        <p:cTn id="170" dur="500" fill="hold"/>
+                                        <p:cTn id="168" dur="500" fill="hold"/>
                                         <p:tgtEl>
                                           <p:spTgt spid="40"/>
                                         </p:tgtEl>
@@ -31058,14 +31040,14 @@
                                 </p:cTn>
                               </p:par>
                               <p:par>
-                                <p:cTn id="171" presetID="2" presetClass="entr" presetSubtype="4" fill="hold" nodeType="withEffect">
+                                <p:cTn id="169" presetID="2" presetClass="entr" presetSubtype="4" fill="hold" nodeType="withEffect">
                                   <p:stCondLst>
                                     <p:cond delay="0"/>
                                   </p:stCondLst>
                                   <p:childTnLst>
                                     <p:set>
                                       <p:cBhvr>
-                                        <p:cTn id="172" dur="1" fill="hold">
+                                        <p:cTn id="170" dur="1" fill="hold">
                                           <p:stCondLst>
                                             <p:cond delay="0"/>
                                           </p:stCondLst>
@@ -31083,7 +31065,7 @@
                                     </p:set>
                                     <p:anim calcmode="lin" valueType="num">
                                       <p:cBhvr additive="base">
-                                        <p:cTn id="173" dur="500" fill="hold"/>
+                                        <p:cTn id="171" dur="500" fill="hold"/>
                                         <p:tgtEl>
                                           <p:spTgt spid="51"/>
                                         </p:tgtEl>
@@ -31106,7 +31088,7 @@
                                     </p:anim>
                                     <p:anim calcmode="lin" valueType="num">
                                       <p:cBhvr additive="base">
-                                        <p:cTn id="174" dur="500" fill="hold"/>
+                                        <p:cTn id="172" dur="500" fill="hold"/>
                                         <p:tgtEl>
                                           <p:spTgt spid="51"/>
                                         </p:tgtEl>
@@ -31131,14 +31113,14 @@
                                 </p:cTn>
                               </p:par>
                               <p:par>
-                                <p:cTn id="175" presetID="2" presetClass="entr" presetSubtype="4" fill="hold" nodeType="withEffect">
+                                <p:cTn id="173" presetID="2" presetClass="entr" presetSubtype="4" fill="hold" nodeType="withEffect">
                                   <p:stCondLst>
                                     <p:cond delay="0"/>
                                   </p:stCondLst>
                                   <p:childTnLst>
                                     <p:set>
                                       <p:cBhvr>
-                                        <p:cTn id="176" dur="1" fill="hold">
+                                        <p:cTn id="174" dur="1" fill="hold">
                                           <p:stCondLst>
                                             <p:cond delay="0"/>
                                           </p:stCondLst>
@@ -31156,7 +31138,7 @@
                                     </p:set>
                                     <p:anim calcmode="lin" valueType="num">
                                       <p:cBhvr additive="base">
-                                        <p:cTn id="177" dur="500" fill="hold"/>
+                                        <p:cTn id="175" dur="500" fill="hold"/>
                                         <p:tgtEl>
                                           <p:spTgt spid="8"/>
                                         </p:tgtEl>
@@ -31179,7 +31161,7 @@
                                     </p:anim>
                                     <p:anim calcmode="lin" valueType="num">
                                       <p:cBhvr additive="base">
-                                        <p:cTn id="178" dur="500" fill="hold"/>
+                                        <p:cTn id="176" dur="500" fill="hold"/>
                                         <p:tgtEl>
                                           <p:spTgt spid="8"/>
                                         </p:tgtEl>
@@ -31204,14 +31186,14 @@
                                 </p:cTn>
                               </p:par>
                               <p:par>
-                                <p:cTn id="179" presetID="2" presetClass="entr" presetSubtype="4" fill="hold" nodeType="withEffect">
+                                <p:cTn id="177" presetID="2" presetClass="entr" presetSubtype="4" fill="hold" nodeType="withEffect">
                                   <p:stCondLst>
                                     <p:cond delay="0"/>
                                   </p:stCondLst>
                                   <p:childTnLst>
                                     <p:set>
                                       <p:cBhvr>
-                                        <p:cTn id="180" dur="1" fill="hold">
+                                        <p:cTn id="178" dur="1" fill="hold">
                                           <p:stCondLst>
                                             <p:cond delay="0"/>
                                           </p:stCondLst>
@@ -31229,7 +31211,7 @@
                                     </p:set>
                                     <p:anim calcmode="lin" valueType="num">
                                       <p:cBhvr additive="base">
-                                        <p:cTn id="181" dur="500" fill="hold"/>
+                                        <p:cTn id="179" dur="500" fill="hold"/>
                                         <p:tgtEl>
                                           <p:spTgt spid="83"/>
                                         </p:tgtEl>
@@ -31252,7 +31234,7 @@
                                     </p:anim>
                                     <p:anim calcmode="lin" valueType="num">
                                       <p:cBhvr additive="base">
-                                        <p:cTn id="182" dur="500" fill="hold"/>
+                                        <p:cTn id="180" dur="500" fill="hold"/>
                                         <p:tgtEl>
                                           <p:spTgt spid="83"/>
                                         </p:tgtEl>
@@ -31277,14 +31259,14 @@
                                 </p:cTn>
                               </p:par>
                               <p:par>
-                                <p:cTn id="183" presetID="2" presetClass="entr" presetSubtype="4" fill="hold" nodeType="withEffect">
+                                <p:cTn id="181" presetID="2" presetClass="entr" presetSubtype="4" fill="hold" nodeType="withEffect">
                                   <p:stCondLst>
                                     <p:cond delay="0"/>
                                   </p:stCondLst>
                                   <p:childTnLst>
                                     <p:set>
                                       <p:cBhvr>
-                                        <p:cTn id="184" dur="1" fill="hold">
+                                        <p:cTn id="182" dur="1" fill="hold">
                                           <p:stCondLst>
                                             <p:cond delay="0"/>
                                           </p:stCondLst>
@@ -31302,7 +31284,7 @@
                                     </p:set>
                                     <p:anim calcmode="lin" valueType="num">
                                       <p:cBhvr additive="base">
-                                        <p:cTn id="185" dur="500" fill="hold"/>
+                                        <p:cTn id="183" dur="500" fill="hold"/>
                                         <p:tgtEl>
                                           <p:spTgt spid="99"/>
                                         </p:tgtEl>
@@ -31325,7 +31307,7 @@
                                     </p:anim>
                                     <p:anim calcmode="lin" valueType="num">
                                       <p:cBhvr additive="base">
-                                        <p:cTn id="186" dur="500" fill="hold"/>
+                                        <p:cTn id="184" dur="500" fill="hold"/>
                                         <p:tgtEl>
                                           <p:spTgt spid="99"/>
                                         </p:tgtEl>
@@ -31350,14 +31332,87 @@
                                 </p:cTn>
                               </p:par>
                               <p:par>
-                                <p:cTn id="187" presetID="2" presetClass="entr" presetSubtype="4" fill="hold" grpId="0" nodeType="withEffect">
+                                <p:cTn id="185" presetID="2" presetClass="entr" presetSubtype="4" fill="hold" nodeType="withEffect">
                                   <p:stCondLst>
                                     <p:cond delay="0"/>
                                   </p:stCondLst>
                                   <p:childTnLst>
                                     <p:set>
                                       <p:cBhvr>
-                                        <p:cTn id="188" dur="1" fill="hold">
+                                        <p:cTn id="186" dur="1" fill="hold">
+                                          <p:stCondLst>
+                                            <p:cond delay="0"/>
+                                          </p:stCondLst>
+                                        </p:cTn>
+                                        <p:tgtEl>
+                                          <p:spTgt spid="100"/>
+                                        </p:tgtEl>
+                                        <p:attrNameLst>
+                                          <p:attrName>style.visibility</p:attrName>
+                                        </p:attrNameLst>
+                                      </p:cBhvr>
+                                      <p:to>
+                                        <p:strVal val="visible"/>
+                                      </p:to>
+                                    </p:set>
+                                    <p:anim calcmode="lin" valueType="num">
+                                      <p:cBhvr additive="base">
+                                        <p:cTn id="187" dur="500" fill="hold"/>
+                                        <p:tgtEl>
+                                          <p:spTgt spid="100"/>
+                                        </p:tgtEl>
+                                        <p:attrNameLst>
+                                          <p:attrName>ppt_x</p:attrName>
+                                        </p:attrNameLst>
+                                      </p:cBhvr>
+                                      <p:tavLst>
+                                        <p:tav tm="0">
+                                          <p:val>
+                                            <p:strVal val="#ppt_x"/>
+                                          </p:val>
+                                        </p:tav>
+                                        <p:tav tm="100000">
+                                          <p:val>
+                                            <p:strVal val="#ppt_x"/>
+                                          </p:val>
+                                        </p:tav>
+                                      </p:tavLst>
+                                    </p:anim>
+                                    <p:anim calcmode="lin" valueType="num">
+                                      <p:cBhvr additive="base">
+                                        <p:cTn id="188" dur="500" fill="hold"/>
+                                        <p:tgtEl>
+                                          <p:spTgt spid="100"/>
+                                        </p:tgtEl>
+                                        <p:attrNameLst>
+                                          <p:attrName>ppt_y</p:attrName>
+                                        </p:attrNameLst>
+                                      </p:cBhvr>
+                                      <p:tavLst>
+                                        <p:tav tm="0">
+                                          <p:val>
+                                            <p:strVal val="1+#ppt_h/2"/>
+                                          </p:val>
+                                        </p:tav>
+                                        <p:tav tm="100000">
+                                          <p:val>
+                                            <p:strVal val="#ppt_y"/>
+                                          </p:val>
+                                        </p:tav>
+                                      </p:tavLst>
+                                    </p:anim>
+                                  </p:childTnLst>
+                                </p:cTn>
+                              </p:par>
+                              <p:par>
+                                <p:cTn id="189" presetID="2" presetClass="entr" presetSubtype="4" fill="hold" grpId="0" nodeType="withEffect">
+                                  <p:stCondLst>
+                                    <p:cond delay="0"/>
+                                  </p:stCondLst>
+                                  <p:childTnLst>
+                                    <p:set>
+                                      <p:cBhvr>
+                                        <p:cTn id="190" dur="1" fill="hold">
                                           <p:stCondLst>
                                             <p:cond delay="0"/>
                                           </p:stCondLst>
@@ -31375,7 +31430,7 @@
                                     </p:set>
                                     <p:anim calcmode="lin" valueType="num">
                                       <p:cBhvr additive="base">
-                                        <p:cTn id="189" dur="500" fill="hold"/>
+                                        <p:cTn id="191" dur="500" fill="hold"/>
                                         <p:tgtEl>
                                           <p:spTgt spid="49"/>
                                         </p:tgtEl>
@@ -31398,7 +31453,7 @@
                                     </p:anim>
                                     <p:anim calcmode="lin" valueType="num">
                                       <p:cBhvr additive="base">
-                                        <p:cTn id="190" dur="500" fill="hold"/>
+                                        <p:cTn id="192" dur="500" fill="hold"/>
                                         <p:tgtEl>
                                           <p:spTgt spid="49"/>
                                         </p:tgtEl>
@@ -31423,14 +31478,14 @@
                                 </p:cTn>
                               </p:par>
                               <p:par>
-                                <p:cTn id="191" presetID="2" presetClass="entr" presetSubtype="4" fill="hold" nodeType="withEffect">
+                                <p:cTn id="193" presetID="2" presetClass="entr" presetSubtype="4" fill="hold" nodeType="withEffect">
                                   <p:stCondLst>
                                     <p:cond delay="0"/>
                                   </p:stCondLst>
                                   <p:childTnLst>
                                     <p:set>
                                       <p:cBhvr>
-                                        <p:cTn id="192" dur="1" fill="hold">
+                                        <p:cTn id="194" dur="1" fill="hold">
                                           <p:stCondLst>
                                             <p:cond delay="0"/>
                                           </p:stCondLst>
@@ -31448,7 +31503,7 @@
                                     </p:set>
                                     <p:anim calcmode="lin" valueType="num">
                                       <p:cBhvr additive="base">
-                                        <p:cTn id="193" dur="500" fill="hold"/>
+                                        <p:cTn id="195" dur="500" fill="hold"/>
                                         <p:tgtEl>
                                           <p:spTgt spid="65"/>
                                         </p:tgtEl>
@@ -31471,7 +31526,7 @@
                                     </p:anim>
                                     <p:anim calcmode="lin" valueType="num">
                                       <p:cBhvr additive="base">
-                                        <p:cTn id="194" dur="500" fill="hold"/>
+                                        <p:cTn id="196" dur="500" fill="hold"/>
                                         <p:tgtEl>
                                           <p:spTgt spid="65"/>
                                         </p:tgtEl>
@@ -31496,14 +31551,14 @@
                                 </p:cTn>
                               </p:par>
                               <p:par>
-                                <p:cTn id="195" presetID="2" presetClass="entr" presetSubtype="4" fill="hold" nodeType="withEffect">
+                                <p:cTn id="197" presetID="2" presetClass="entr" presetSubtype="4" fill="hold" nodeType="withEffect">
                                   <p:stCondLst>
                                     <p:cond delay="0"/>
                                   </p:stCondLst>
                                   <p:childTnLst>
                                     <p:set>
                                       <p:cBhvr>
-                                        <p:cTn id="196" dur="1" fill="hold">
+                                        <p:cTn id="198" dur="1" fill="hold">
                                           <p:stCondLst>
                                             <p:cond delay="0"/>
                                           </p:stCondLst>
@@ -31521,7 +31576,7 @@
                                     </p:set>
                                     <p:anim calcmode="lin" valueType="num">
                                       <p:cBhvr additive="base">
-                                        <p:cTn id="197" dur="500" fill="hold"/>
+                                        <p:cTn id="199" dur="500" fill="hold"/>
                                         <p:tgtEl>
                                           <p:spTgt spid="119"/>
                                         </p:tgtEl>
@@ -31544,7 +31599,7 @@
                                     </p:anim>
                                     <p:anim calcmode="lin" valueType="num">
                                       <p:cBhvr additive="base">
-                                        <p:cTn id="198" dur="500" fill="hold"/>
+                                        <p:cTn id="200" dur="500" fill="hold"/>
                                         <p:tgtEl>
                                           <p:spTgt spid="119"/>
                                         </p:tgtEl>
@@ -31575,26 +31630,26 @@
                     </p:cTn>
                   </p:par>
                   <p:par>
-                    <p:cTn id="199" fill="hold">
+                    <p:cTn id="201" fill="hold">
                       <p:stCondLst>
                         <p:cond delay="indefinite"/>
                       </p:stCondLst>
                       <p:childTnLst>
                         <p:par>
-                          <p:cTn id="200" fill="hold">
+                          <p:cTn id="202" fill="hold">
                             <p:stCondLst>
                               <p:cond delay="0"/>
                             </p:stCondLst>
                             <p:childTnLst>
                               <p:par>
-                                <p:cTn id="201" presetID="2" presetClass="entr" presetSubtype="4" fill="hold" nodeType="clickEffect">
+                                <p:cTn id="203" presetID="2" presetClass="entr" presetSubtype="4" fill="hold" nodeType="clickEffect">
                                   <p:stCondLst>
                                     <p:cond delay="0"/>
                                   </p:stCondLst>
                                   <p:childTnLst>
                                     <p:set>
                                       <p:cBhvr>
-                                        <p:cTn id="202" dur="1" fill="hold">
+                                        <p:cTn id="204" dur="1" fill="hold">
                                           <p:stCondLst>
                                             <p:cond delay="0"/>
                                           </p:stCondLst>
@@ -31612,7 +31667,7 @@
                                     </p:set>
                                     <p:anim calcmode="lin" valueType="num">
                                       <p:cBhvr additive="base">
-                                        <p:cTn id="203" dur="500" fill="hold"/>
+                                        <p:cTn id="205" dur="500" fill="hold"/>
                                         <p:tgtEl>
                                           <p:spTgt spid="30"/>
                                         </p:tgtEl>
@@ -31635,7 +31690,7 @@
                                     </p:anim>
                                     <p:anim calcmode="lin" valueType="num">
                                       <p:cBhvr additive="base">
-                                        <p:cTn id="204" dur="500" fill="hold"/>
+                                        <p:cTn id="206" dur="500" fill="hold"/>
                                         <p:tgtEl>
                                           <p:spTgt spid="30"/>
                                         </p:tgtEl>
@@ -31660,14 +31715,14 @@
                                 </p:cTn>
                               </p:par>
                               <p:par>
-                                <p:cTn id="205" presetID="2" presetClass="entr" presetSubtype="4" fill="hold" nodeType="withEffect">
+                                <p:cTn id="207" presetID="2" presetClass="entr" presetSubtype="4" fill="hold" nodeType="withEffect">
                                   <p:stCondLst>
                                     <p:cond delay="0"/>
                                   </p:stCondLst>
                                   <p:childTnLst>
                                     <p:set>
                                       <p:cBhvr>
-                                        <p:cTn id="206" dur="1" fill="hold">
+                                        <p:cTn id="208" dur="1" fill="hold">
                                           <p:stCondLst>
                                             <p:cond delay="0"/>
                                           </p:stCondLst>
@@ -31685,7 +31740,7 @@
                                     </p:set>
                                     <p:anim calcmode="lin" valueType="num">
                                       <p:cBhvr additive="base">
-                                        <p:cTn id="207" dur="500" fill="hold"/>
+                                        <p:cTn id="209" dur="500" fill="hold"/>
                                         <p:tgtEl>
                                           <p:spTgt spid="22"/>
                                         </p:tgtEl>
@@ -31708,7 +31763,7 @@
                                     </p:anim>
                                     <p:anim calcmode="lin" valueType="num">
                                       <p:cBhvr additive="base">
-                                        <p:cTn id="208" dur="500" fill="hold"/>
+                                        <p:cTn id="210" dur="500" fill="hold"/>
                                         <p:tgtEl>
                                           <p:spTgt spid="22"/>
                                         </p:tgtEl>
@@ -31733,14 +31788,14 @@
                                 </p:cTn>
                               </p:par>
                               <p:par>
-                                <p:cTn id="209" presetID="2" presetClass="entr" presetSubtype="4" fill="hold" nodeType="withEffect">
+                                <p:cTn id="211" presetID="2" presetClass="entr" presetSubtype="4" fill="hold" nodeType="withEffect">
                                   <p:stCondLst>
                                     <p:cond delay="0"/>
                                   </p:stCondLst>
                                   <p:childTnLst>
                                     <p:set>
                                       <p:cBhvr>
-                                        <p:cTn id="210" dur="1" fill="hold">
+                                        <p:cTn id="212" dur="1" fill="hold">
                                           <p:stCondLst>
                                             <p:cond delay="0"/>
                                           </p:stCondLst>
@@ -31758,7 +31813,7 @@
                                     </p:set>
                                     <p:anim calcmode="lin" valueType="num">
                                       <p:cBhvr additive="base">
-                                        <p:cTn id="211" dur="500" fill="hold"/>
+                                        <p:cTn id="213" dur="500" fill="hold"/>
                                         <p:tgtEl>
                                           <p:spTgt spid="72"/>
                                         </p:tgtEl>
@@ -31781,7 +31836,7 @@
                                     </p:anim>
                                     <p:anim calcmode="lin" valueType="num">
                                       <p:cBhvr additive="base">
-                                        <p:cTn id="212" dur="500" fill="hold"/>
+                                        <p:cTn id="214" dur="500" fill="hold"/>
                                         <p:tgtEl>
                                           <p:spTgt spid="72"/>
                                         </p:tgtEl>
@@ -31806,14 +31861,14 @@
                                 </p:cTn>
                               </p:par>
                               <p:par>
-                                <p:cTn id="213" presetID="2" presetClass="entr" presetSubtype="4" fill="hold" nodeType="withEffect">
+                                <p:cTn id="215" presetID="2" presetClass="entr" presetSubtype="4" fill="hold" nodeType="withEffect">
                                   <p:stCondLst>
                                     <p:cond delay="0"/>
                                   </p:stCondLst>
                                   <p:childTnLst>
                                     <p:set>
                                       <p:cBhvr>
-                                        <p:cTn id="214" dur="1" fill="hold">
+                                        <p:cTn id="216" dur="1" fill="hold">
                                           <p:stCondLst>
                                             <p:cond delay="0"/>
                                           </p:stCondLst>
@@ -31831,7 +31886,7 @@
                                     </p:set>
                                     <p:anim calcmode="lin" valueType="num">
                                       <p:cBhvr additive="base">
-                                        <p:cTn id="215" dur="500" fill="hold"/>
+                                        <p:cTn id="217" dur="500" fill="hold"/>
                                         <p:tgtEl>
                                           <p:spTgt spid="57"/>
                                         </p:tgtEl>
@@ -31854,7 +31909,7 @@
                                     </p:anim>
                                     <p:anim calcmode="lin" valueType="num">
                                       <p:cBhvr additive="base">
-                                        <p:cTn id="216" dur="500" fill="hold"/>
+                                        <p:cTn id="218" dur="500" fill="hold"/>
                                         <p:tgtEl>
                                           <p:spTgt spid="57"/>
                                         </p:tgtEl>
@@ -31879,14 +31934,14 @@
                                 </p:cTn>
                               </p:par>
                               <p:par>
-                                <p:cTn id="217" presetID="2" presetClass="entr" presetSubtype="4" fill="hold" nodeType="withEffect">
+                                <p:cTn id="219" presetID="2" presetClass="entr" presetSubtype="4" fill="hold" nodeType="withEffect">
                                   <p:stCondLst>
                                     <p:cond delay="0"/>
                                   </p:stCondLst>
                                   <p:childTnLst>
                                     <p:set>
                                       <p:cBhvr>
-                                        <p:cTn id="218" dur="1" fill="hold">
+                                        <p:cTn id="220" dur="1" fill="hold">
                                           <p:stCondLst>
                                             <p:cond delay="0"/>
                                           </p:stCondLst>
@@ -31904,7 +31959,7 @@
                                     </p:set>
                                     <p:anim calcmode="lin" valueType="num">
                                       <p:cBhvr additive="base">
-                                        <p:cTn id="219" dur="500" fill="hold"/>
+                                        <p:cTn id="221" dur="500" fill="hold"/>
                                         <p:tgtEl>
                                           <p:spTgt spid="27"/>
                                         </p:tgtEl>
@@ -31927,7 +31982,7 @@
                                     </p:anim>
                                     <p:anim calcmode="lin" valueType="num">
                                       <p:cBhvr additive="base">
-                                        <p:cTn id="220" dur="500" fill="hold"/>
+                                        <p:cTn id="222" dur="500" fill="hold"/>
                                         <p:tgtEl>
                                           <p:spTgt spid="27"/>
                                         </p:tgtEl>
@@ -31952,14 +32007,14 @@
                                 </p:cTn>
                               </p:par>
                               <p:par>
-                                <p:cTn id="221" presetID="2" presetClass="entr" presetSubtype="4" fill="hold" nodeType="withEffect">
+                                <p:cTn id="223" presetID="2" presetClass="entr" presetSubtype="4" fill="hold" nodeType="withEffect">
                                   <p:stCondLst>
                                     <p:cond delay="0"/>
                                   </p:stCondLst>
                                   <p:childTnLst>
                                     <p:set>
                                       <p:cBhvr>
-                                        <p:cTn id="222" dur="1" fill="hold">
+                                        <p:cTn id="224" dur="1" fill="hold">
                                           <p:stCondLst>
                                             <p:cond delay="0"/>
                                           </p:stCondLst>
@@ -31977,7 +32032,7 @@
                                     </p:set>
                                     <p:anim calcmode="lin" valueType="num">
                                       <p:cBhvr additive="base">
-                                        <p:cTn id="223" dur="500" fill="hold"/>
+                                        <p:cTn id="225" dur="500" fill="hold"/>
                                         <p:tgtEl>
                                           <p:spTgt spid="146"/>
                                         </p:tgtEl>
@@ -32000,7 +32055,7 @@
                                     </p:anim>
                                     <p:anim calcmode="lin" valueType="num">
                                       <p:cBhvr additive="base">
-                                        <p:cTn id="224" dur="500" fill="hold"/>
+                                        <p:cTn id="226" dur="500" fill="hold"/>
                                         <p:tgtEl>
                                           <p:spTgt spid="146"/>
                                         </p:tgtEl>
@@ -32368,7 +32423,7 @@
             <a:pPr lvl="2"/>
             <a:r>
               <a:rPr lang="en-US" sz="2400" dirty="0"/>
-              <a:t> Only basics K8s scenarios</a:t>
+              <a:t> Only basic K8s scenarios</a:t>
             </a:r>
           </a:p>
           <a:p>
@@ -32395,16 +32450,6 @@
               <a:rPr lang="en-US" sz="2400" dirty="0"/>
               <a:t>Not 100% reference for later productive usage ! </a:t>
             </a:r>
-            <a:r>
-              <a:rPr lang="en-US" dirty="0"/>
-              <a:t>(Will be done in other training)</a:t>
-            </a:r>
-            <a:endParaRPr lang="en-US" sz="2800" dirty="0"/>
-          </a:p>
-          <a:p>
-            <a:pPr marL="180576" lvl="2" indent="0">
-              <a:buNone/>
-            </a:pPr>
             <a:endParaRPr lang="en-US" sz="2800" dirty="0"/>
           </a:p>
           <a:p>

--- a/sample-app/bulletinboard-in-k8s_intro.pptx
+++ b/sample-app/bulletinboard-in-k8s_intro.pptx
@@ -33356,13 +33356,13 @@
               <a:tabLst/>
             </a:pPr>
             <a:r>
-              <a:rPr lang="en-US" sz="1800" kern="0" dirty="0">
+              <a:rPr lang="en-US" sz="1800" kern="0" noProof="0" dirty="0">
                 <a:ea typeface="Arial Unicode MS" pitchFamily="34" charset="-128"/>
                 <a:cs typeface="Arial Unicode MS" pitchFamily="34" charset="-128"/>
               </a:rPr>
-              <a:t>Ads</a:t>
-            </a:r>
-            <a:endParaRPr kumimoji="0" lang="en-US" sz="1800" b="0" i="0" u="none" strike="noStrike" kern="0" cap="none" spc="0" normalizeH="0" baseline="0" noProof="0" dirty="0" err="1">
+              <a:t>Reviews</a:t>
+            </a:r>
+            <a:endParaRPr kumimoji="0" lang="en-US" sz="1800" b="0" i="0" u="none" strike="noStrike" kern="0" cap="none" spc="0" normalizeH="0" baseline="0" noProof="0" dirty="0">
               <a:ln>
                 <a:noFill/>
               </a:ln>
@@ -33453,13 +33453,13 @@
               <a:tabLst/>
             </a:pPr>
             <a:r>
-              <a:rPr lang="en-US" sz="1800" kern="0" dirty="0">
+              <a:rPr lang="en-US" sz="1800" kern="0" noProof="0" dirty="0">
                 <a:ea typeface="Arial Unicode MS" pitchFamily="34" charset="-128"/>
                 <a:cs typeface="Arial Unicode MS" pitchFamily="34" charset="-128"/>
               </a:rPr>
-              <a:t>User</a:t>
-            </a:r>
-            <a:endParaRPr kumimoji="0" lang="en-US" sz="1800" b="0" i="0" u="none" strike="noStrike" kern="0" cap="none" spc="0" normalizeH="0" baseline="0" noProof="0" dirty="0" err="1">
+              <a:t>Ads</a:t>
+            </a:r>
+            <a:endParaRPr kumimoji="0" lang="en-US" sz="1800" b="0" i="0" u="none" strike="noStrike" kern="0" cap="none" spc="0" normalizeH="0" baseline="0" noProof="0" dirty="0">
               <a:ln>
                 <a:noFill/>
               </a:ln>
@@ -33642,7 +33642,7 @@
             </a:r>
             <a:r>
               <a:rPr lang="en-US" b="1" dirty="0"/>
-              <a:t>users</a:t>
+              <a:t>reviews</a:t>
             </a:r>
             <a:r>
               <a:rPr lang="en-US" dirty="0"/>

--- a/sample-app/bulletinboard-in-k8s_intro.pptx
+++ b/sample-app/bulletinboard-in-k8s_intro.pptx
@@ -15981,7 +15981,7 @@
                   <a:schemeClr val="tx1"/>
                 </a:solidFill>
               </a:rPr>
-              <a:t>2018 SAP SE or an SAP affiliate company. All rights reserved.  </a:t>
+              <a:t>2020 SAP SE or an SAP affiliate company. All rights reserved.  </a:t>
             </a:r>
             <a:r>
               <a:rPr kumimoji="0" lang="en-US" sz="600" b="0" i="0" u="none" kern="0" baseline="0" dirty="0">
